--- a/presentation/fraudDetection.pptx
+++ b/presentation/fraudDetection.pptx
@@ -10,8 +10,8 @@
     <p:sldId id="258" r:id="rId4"/>
     <p:sldId id="262" r:id="rId5"/>
     <p:sldId id="259" r:id="rId6"/>
-    <p:sldId id="263" r:id="rId7"/>
-    <p:sldId id="260" r:id="rId8"/>
+    <p:sldId id="260" r:id="rId7"/>
+    <p:sldId id="271" r:id="rId8"/>
     <p:sldId id="264" r:id="rId9"/>
     <p:sldId id="261" r:id="rId10"/>
     <p:sldId id="267" r:id="rId11"/>
@@ -136,8 +136,8 @@
         </p14:section>
         <p14:section name="Preprocessing" id="{EF49A664-3A12-424E-A8ED-840041ED3BAE}">
           <p14:sldIdLst>
-            <p14:sldId id="263"/>
             <p14:sldId id="260"/>
+            <p14:sldId id="271"/>
           </p14:sldIdLst>
         </p14:section>
         <p14:section name="Analytics" id="{6757637C-E67C-461C-A0B2-AE2D22F0D8EE}">
@@ -300,7 +300,7 @@
           <a:p>
             <a:fld id="{64CE723C-865C-4977-A0F6-062291E3B727}" type="datetimeFigureOut">
               <a:rPr lang="en-US" smtClean="0"/>
-              <a:t>12/30/2021</a:t>
+              <a:t>1/4/2022</a:t>
             </a:fld>
             <a:endParaRPr lang="en-US"/>
           </a:p>
@@ -470,7 +470,7 @@
           <a:p>
             <a:fld id="{64CE723C-865C-4977-A0F6-062291E3B727}" type="datetimeFigureOut">
               <a:rPr lang="en-US" smtClean="0"/>
-              <a:t>12/30/2021</a:t>
+              <a:t>1/4/2022</a:t>
             </a:fld>
             <a:endParaRPr lang="en-US"/>
           </a:p>
@@ -650,7 +650,7 @@
           <a:p>
             <a:fld id="{64CE723C-865C-4977-A0F6-062291E3B727}" type="datetimeFigureOut">
               <a:rPr lang="en-US" smtClean="0"/>
-              <a:t>12/30/2021</a:t>
+              <a:t>1/4/2022</a:t>
             </a:fld>
             <a:endParaRPr lang="en-US"/>
           </a:p>
@@ -820,7 +820,7 @@
           <a:p>
             <a:fld id="{64CE723C-865C-4977-A0F6-062291E3B727}" type="datetimeFigureOut">
               <a:rPr lang="en-US" smtClean="0"/>
-              <a:t>12/30/2021</a:t>
+              <a:t>1/4/2022</a:t>
             </a:fld>
             <a:endParaRPr lang="en-US"/>
           </a:p>
@@ -1066,7 +1066,7 @@
           <a:p>
             <a:fld id="{64CE723C-865C-4977-A0F6-062291E3B727}" type="datetimeFigureOut">
               <a:rPr lang="en-US" smtClean="0"/>
-              <a:t>12/30/2021</a:t>
+              <a:t>1/4/2022</a:t>
             </a:fld>
             <a:endParaRPr lang="en-US"/>
           </a:p>
@@ -1298,7 +1298,7 @@
           <a:p>
             <a:fld id="{64CE723C-865C-4977-A0F6-062291E3B727}" type="datetimeFigureOut">
               <a:rPr lang="en-US" smtClean="0"/>
-              <a:t>12/30/2021</a:t>
+              <a:t>1/4/2022</a:t>
             </a:fld>
             <a:endParaRPr lang="en-US"/>
           </a:p>
@@ -1665,7 +1665,7 @@
           <a:p>
             <a:fld id="{64CE723C-865C-4977-A0F6-062291E3B727}" type="datetimeFigureOut">
               <a:rPr lang="en-US" smtClean="0"/>
-              <a:t>12/30/2021</a:t>
+              <a:t>1/4/2022</a:t>
             </a:fld>
             <a:endParaRPr lang="en-US"/>
           </a:p>
@@ -1783,7 +1783,7 @@
           <a:p>
             <a:fld id="{64CE723C-865C-4977-A0F6-062291E3B727}" type="datetimeFigureOut">
               <a:rPr lang="en-US" smtClean="0"/>
-              <a:t>12/30/2021</a:t>
+              <a:t>1/4/2022</a:t>
             </a:fld>
             <a:endParaRPr lang="en-US"/>
           </a:p>
@@ -1878,7 +1878,7 @@
           <a:p>
             <a:fld id="{64CE723C-865C-4977-A0F6-062291E3B727}" type="datetimeFigureOut">
               <a:rPr lang="en-US" smtClean="0"/>
-              <a:t>12/30/2021</a:t>
+              <a:t>1/4/2022</a:t>
             </a:fld>
             <a:endParaRPr lang="en-US"/>
           </a:p>
@@ -2155,7 +2155,7 @@
           <a:p>
             <a:fld id="{64CE723C-865C-4977-A0F6-062291E3B727}" type="datetimeFigureOut">
               <a:rPr lang="en-US" smtClean="0"/>
-              <a:t>12/30/2021</a:t>
+              <a:t>1/4/2022</a:t>
             </a:fld>
             <a:endParaRPr lang="en-US"/>
           </a:p>
@@ -2408,7 +2408,7 @@
           <a:p>
             <a:fld id="{64CE723C-865C-4977-A0F6-062291E3B727}" type="datetimeFigureOut">
               <a:rPr lang="en-US" smtClean="0"/>
-              <a:t>12/30/2021</a:t>
+              <a:t>1/4/2022</a:t>
             </a:fld>
             <a:endParaRPr lang="en-US"/>
           </a:p>
@@ -2621,7 +2621,7 @@
           <a:p>
             <a:fld id="{64CE723C-865C-4977-A0F6-062291E3B727}" type="datetimeFigureOut">
               <a:rPr lang="en-US" smtClean="0"/>
-              <a:t>12/30/2021</a:t>
+              <a:t>1/4/2022</a:t>
             </a:fld>
             <a:endParaRPr lang="en-US"/>
           </a:p>
@@ -4326,20 +4326,37 @@
             <p:ph type="title"/>
           </p:nvPr>
         </p:nvSpPr>
-        <p:spPr>
-          <a:xfrm>
-            <a:off x="0" y="2040016"/>
-            <a:ext cx="12191999" cy="1291659"/>
-          </a:xfrm>
-        </p:spPr>
-        <p:txBody>
-          <a:bodyPr/>
-          <a:lstStyle/>
-          <a:p>
-            <a:pPr algn="ctr"/>
+        <p:spPr/>
+        <p:txBody>
+          <a:bodyPr/>
+          <a:lstStyle/>
+          <a:p>
             <a:r>
               <a:rPr lang="en-US" dirty="0" smtClean="0"/>
               <a:t>Dataset Preprocessing</a:t>
+            </a:r>
+            <a:endParaRPr lang="en-US" dirty="0"/>
+          </a:p>
+        </p:txBody>
+      </p:sp>
+      <p:sp>
+        <p:nvSpPr>
+          <p:cNvPr id="3" name="Content Placeholder 2"/>
+          <p:cNvSpPr>
+            <a:spLocks noGrp="1"/>
+          </p:cNvSpPr>
+          <p:nvPr>
+            <p:ph idx="1"/>
+          </p:nvPr>
+        </p:nvSpPr>
+        <p:spPr/>
+        <p:txBody>
+          <a:bodyPr/>
+          <a:lstStyle/>
+          <a:p>
+            <a:r>
+              <a:rPr lang="en-US" dirty="0" smtClean="0"/>
+              <a:t>General: The dataset contains too much information about the </a:t>
             </a:r>
             <a:endParaRPr lang="en-US" dirty="0"/>
           </a:p>
@@ -4348,7 +4365,7 @@
     </p:spTree>
     <p:extLst>
       <p:ext uri="{BB962C8B-B14F-4D97-AF65-F5344CB8AC3E}">
-        <p14:creationId xmlns:p14="http://schemas.microsoft.com/office/powerpoint/2010/main" val="1101279382"/>
+        <p14:creationId xmlns:p14="http://schemas.microsoft.com/office/powerpoint/2010/main" val="2063232290"/>
       </p:ext>
     </p:extLst>
   </p:cSld>
@@ -4392,7 +4409,7 @@
           <a:p>
             <a:r>
               <a:rPr lang="en-US" dirty="0" smtClean="0"/>
-              <a:t>Dataset Preprocessing</a:t>
+              <a:t>Our Idea</a:t>
             </a:r>
             <a:endParaRPr lang="en-US" dirty="0"/>
           </a:p>
@@ -4413,10 +4430,6 @@
           <a:bodyPr/>
           <a:lstStyle/>
           <a:p>
-            <a:r>
-              <a:rPr lang="en-US" dirty="0" smtClean="0"/>
-              <a:t>General: The dataset contains too much information about the </a:t>
-            </a:r>
             <a:endParaRPr lang="en-US" dirty="0"/>
           </a:p>
         </p:txBody>
@@ -4424,7 +4437,7 @@
     </p:spTree>
     <p:extLst>
       <p:ext uri="{BB962C8B-B14F-4D97-AF65-F5344CB8AC3E}">
-        <p14:creationId xmlns:p14="http://schemas.microsoft.com/office/powerpoint/2010/main" val="2063232290"/>
+        <p14:creationId xmlns:p14="http://schemas.microsoft.com/office/powerpoint/2010/main" val="3560831542"/>
       </p:ext>
     </p:extLst>
   </p:cSld>
